--- a/The_Presentaion_capstone_The Battle_of_Neighborhoods_hanoi.pptx
+++ b/The_Presentaion_capstone_The Battle_of_Neighborhoods_hanoi.pptx
@@ -12896,15 +12896,6 @@
 </file>
 
 <file path=customXml/item2.xml><?xml version="1.0" encoding="utf-8"?>
-<?mso-contentType ?>
-<FormTemplates xmlns="http://schemas.microsoft.com/sharepoint/v3/contenttype/forms">
-  <Display>DocumentLibraryForm</Display>
-  <Edit>DocumentLibraryForm</Edit>
-  <New>DocumentLibraryForm</New>
-</FormTemplates>
-</file>
-
-<file path=customXml/item3.xml><?xml version="1.0" encoding="utf-8"?>
 <ct:contentTypeSchema xmlns:ct="http://schemas.microsoft.com/office/2006/metadata/contentType" xmlns:ma="http://schemas.microsoft.com/office/2006/metadata/properties/metaAttributes" ct:_="" ma:_="" ma:contentTypeName="Document" ma:contentTypeID="0x01010079F111ED35F8CC479449609E8A0923A6" ma:contentTypeVersion="12" ma:contentTypeDescription="Create a new document." ma:contentTypeScope="" ma:versionID="fa6e671f1cd7e4d96ff9652be322dd5e">
   <xsd:schema xmlns:xsd="http://www.w3.org/2001/XMLSchema" xmlns:xs="http://www.w3.org/2001/XMLSchema" xmlns:p="http://schemas.microsoft.com/office/2006/metadata/properties" xmlns:ns2="71af3243-3dd4-4a8d-8c0d-dd76da1f02a5" xmlns:ns3="16c05727-aa75-4e4a-9b5f-8a80a1165891" targetNamespace="http://schemas.microsoft.com/office/2006/metadata/properties" ma:root="true" ma:fieldsID="4e2496f70b101db0b8013f30a071bbf7" ns2:_="" ns3:_="">
     <xsd:import namespace="71af3243-3dd4-4a8d-8c0d-dd76da1f02a5"/>
@@ -13125,25 +13116,33 @@
 </ct:contentTypeSchema>
 </file>
 
+<file path=customXml/item3.xml><?xml version="1.0" encoding="utf-8"?>
+<?mso-contentType ?>
+<FormTemplates xmlns="http://schemas.microsoft.com/sharepoint/v3/contenttype/forms">
+  <Display>DocumentLibraryForm</Display>
+  <Edit>DocumentLibraryForm</Edit>
+  <New>DocumentLibraryForm</New>
+</FormTemplates>
+</file>
+
 <file path=customXml/itemProps1.xml><?xml version="1.0" encoding="utf-8"?>
 <ds:datastoreItem xmlns:ds="http://schemas.openxmlformats.org/officeDocument/2006/customXml" ds:itemID="{2F5E4A76-0180-4CD0-B081-82F74A336136}">
   <ds:schemaRefs>
+    <ds:schemaRef ds:uri="http://schemas.microsoft.com/office/2006/documentManagement/types"/>
+    <ds:schemaRef ds:uri="http://schemas.microsoft.com/office/infopath/2007/PartnerControls"/>
+    <ds:schemaRef ds:uri="http://purl.org/dc/elements/1.1/"/>
     <ds:schemaRef ds:uri="http://schemas.microsoft.com/office/2006/metadata/properties"/>
-    <ds:schemaRef ds:uri="http://schemas.microsoft.com/office/infopath/2007/PartnerControls"/>
+    <ds:schemaRef ds:uri="http://purl.org/dc/terms/"/>
+    <ds:schemaRef ds:uri="http://schemas.openxmlformats.org/package/2006/metadata/core-properties"/>
+    <ds:schemaRef ds:uri="16c05727-aa75-4e4a-9b5f-8a80a1165891"/>
     <ds:schemaRef ds:uri="71af3243-3dd4-4a8d-8c0d-dd76da1f02a5"/>
+    <ds:schemaRef ds:uri="http://www.w3.org/XML/1998/namespace"/>
+    <ds:schemaRef ds:uri="http://purl.org/dc/dcmitype/"/>
   </ds:schemaRefs>
 </ds:datastoreItem>
 </file>
 
 <file path=customXml/itemProps2.xml><?xml version="1.0" encoding="utf-8"?>
-<ds:datastoreItem xmlns:ds="http://schemas.openxmlformats.org/officeDocument/2006/customXml" ds:itemID="{41243E30-12F4-4BE3-B27D-23AB115E9D1F}">
-  <ds:schemaRefs>
-    <ds:schemaRef ds:uri="http://schemas.microsoft.com/sharepoint/v3/contenttype/forms"/>
-  </ds:schemaRefs>
-</ds:datastoreItem>
-</file>
-
-<file path=customXml/itemProps3.xml><?xml version="1.0" encoding="utf-8"?>
 <ds:datastoreItem xmlns:ds="http://schemas.openxmlformats.org/officeDocument/2006/customXml" ds:itemID="{DB96A612-58F4-4E9A-9665-3987CC3AC44A}">
   <ds:schemaRefs>
     <ds:schemaRef ds:uri="http://schemas.microsoft.com/office/2006/metadata/contentType"/>
@@ -13160,4 +13159,12 @@
     <ds:schemaRef ds:uri="http://schemas.microsoft.com/internal/obd"/>
   </ds:schemaRefs>
 </ds:datastoreItem>
+</file>
+
+<file path=customXml/itemProps3.xml><?xml version="1.0" encoding="utf-8"?>
+<ds:datastoreItem xmlns:ds="http://schemas.openxmlformats.org/officeDocument/2006/customXml" ds:itemID="{41243E30-12F4-4BE3-B27D-23AB115E9D1F}">
+  <ds:schemaRefs>
+    <ds:schemaRef ds:uri="http://schemas.microsoft.com/sharepoint/v3/contenttype/forms"/>
+  </ds:schemaRefs>
+</ds:datastoreItem>
 </file>
--- a/The_Presentaion_capstone_The Battle_of_Neighborhoods_hanoi.pptx
+++ b/The_Presentaion_capstone_The Battle_of_Neighborhoods_hanoi.pptx
@@ -4005,7 +4005,7 @@
           <a:p>
             <a:fld id="{CE5764CF-3664-45D0-9B27-4222DB1A6BA7}" type="datetimeFigureOut">
               <a:rPr lang="en-US" smtClean="0"/>
-              <a:t>13/04/2021</a:t>
+              <a:t>14/04/2021</a:t>
             </a:fld>
             <a:endParaRPr lang="en-US" dirty="0"/>
           </a:p>
@@ -4182,7 +4182,7 @@
           <a:p>
             <a:fld id="{ABF7E720-7243-402E-A0D4-CE3189C951A5}" type="datetimeFigureOut">
               <a:rPr lang="en-US" noProof="0" smtClean="0"/>
-              <a:t>13/04/2021</a:t>
+              <a:t>14/04/2021</a:t>
             </a:fld>
             <a:endParaRPr lang="en-US" noProof="0" dirty="0"/>
           </a:p>
@@ -5170,7 +5170,7 @@
           <a:p>
             <a:fld id="{EA0C0817-A112-4847-8014-A94B7D2A4EA3}" type="datetime1">
               <a:rPr lang="en-US" smtClean="0"/>
-              <a:t>13/04/2021</a:t>
+              <a:t>14/04/2021</a:t>
             </a:fld>
             <a:endParaRPr lang="en-US" dirty="0"/>
           </a:p>
@@ -5615,7 +5615,7 @@
           <a:p>
             <a:fld id="{7E8D12A6-918A-48BD-8CB9-CA713993B0EA}" type="datetime1">
               <a:rPr lang="en-US" smtClean="0"/>
-              <a:t>13/04/2021</a:t>
+              <a:t>14/04/2021</a:t>
             </a:fld>
             <a:endParaRPr lang="en-US" dirty="0"/>
           </a:p>
@@ -5929,7 +5929,7 @@
           <a:p>
             <a:fld id="{7E8D12A6-918A-48BD-8CB9-CA713993B0EA}" type="datetime1">
               <a:rPr lang="en-US" noProof="0" smtClean="0"/>
-              <a:t>13/04/2021</a:t>
+              <a:t>14/04/2021</a:t>
             </a:fld>
             <a:endParaRPr lang="en-US" noProof="0" dirty="0"/>
           </a:p>
@@ -6336,7 +6336,7 @@
             <a:fld id="{E778CE86-875F-4587-BCF6-FA054AFC0D53}" type="datetime1">
               <a:rPr lang="en-US" smtClean="0"/>
               <a:pPr/>
-              <a:t>13/04/2021</a:t>
+              <a:t>14/04/2021</a:t>
             </a:fld>
             <a:endParaRPr lang="en-US" dirty="0"/>
           </a:p>
@@ -6702,7 +6702,7 @@
           <a:p>
             <a:fld id="{7332B432-ACDA-4023-A761-2BAB76577B62}" type="datetime1">
               <a:rPr lang="en-US" smtClean="0"/>
-              <a:t>13/04/2021</a:t>
+              <a:t>14/04/2021</a:t>
             </a:fld>
             <a:endParaRPr lang="en-US" dirty="0"/>
           </a:p>
@@ -7301,7 +7301,7 @@
           <a:p>
             <a:fld id="{D9C646AA-F36E-4540-911D-FFFC0A0EF24A}" type="datetime1">
               <a:rPr lang="en-US" smtClean="0"/>
-              <a:t>13/04/2021</a:t>
+              <a:t>14/04/2021</a:t>
             </a:fld>
             <a:endParaRPr lang="en-US" dirty="0"/>
           </a:p>
@@ -7621,7 +7621,7 @@
           <a:p>
             <a:fld id="{69186D26-FA5F-4637-B602-B7C2DC34CFD4}" type="datetime1">
               <a:rPr lang="en-US" smtClean="0"/>
-              <a:t>13/04/2021</a:t>
+              <a:t>14/04/2021</a:t>
             </a:fld>
             <a:endParaRPr lang="en-US" dirty="0"/>
           </a:p>
@@ -7912,7 +7912,7 @@
           <a:p>
             <a:fld id="{69186D26-FA5F-4637-B602-B7C2DC34CFD4}" type="datetime1">
               <a:rPr lang="en-US" smtClean="0"/>
-              <a:t>13/04/2021</a:t>
+              <a:t>14/04/2021</a:t>
             </a:fld>
             <a:endParaRPr lang="en-US" dirty="0"/>
           </a:p>
@@ -8349,7 +8349,7 @@
           <a:p>
             <a:fld id="{8A7F15D8-96D1-4781-BC50-CA8A088B2FE4}" type="datetime1">
               <a:rPr lang="en-US" smtClean="0"/>
-              <a:t>13/04/2021</a:t>
+              <a:t>14/04/2021</a:t>
             </a:fld>
             <a:endParaRPr lang="en-US" dirty="0"/>
           </a:p>
@@ -8467,7 +8467,7 @@
           <a:p>
             <a:fld id="{F9A96C99-B8F8-4528-BD05-0E16E943DC09}" type="datetime1">
               <a:rPr lang="en-US" smtClean="0"/>
-              <a:t>13/04/2021</a:t>
+              <a:t>14/04/2021</a:t>
             </a:fld>
             <a:endParaRPr lang="en-US" dirty="0"/>
           </a:p>
@@ -8562,7 +8562,7 @@
           <a:p>
             <a:fld id="{03636942-C211-4B28-8DBD-C953E00AF71B}" type="datetime1">
               <a:rPr lang="en-US" smtClean="0"/>
-              <a:t>13/04/2021</a:t>
+              <a:t>14/04/2021</a:t>
             </a:fld>
             <a:endParaRPr lang="en-US" dirty="0"/>
           </a:p>
@@ -8979,7 +8979,7 @@
           <a:p>
             <a:fld id="{7E8D12A6-918A-48BD-8CB9-CA713993B0EA}" type="datetime1">
               <a:rPr lang="en-US" smtClean="0"/>
-              <a:t>13/04/2021</a:t>
+              <a:t>14/04/2021</a:t>
             </a:fld>
             <a:endParaRPr lang="en-US" dirty="0"/>
           </a:p>
@@ -9324,7 +9324,7 @@
           <a:p>
             <a:fld id="{F6FA2B21-3FCD-4721-B95C-427943F61125}" type="datetime1">
               <a:rPr lang="en-US" smtClean="0"/>
-              <a:t>13/04/2021</a:t>
+              <a:t>14/04/2021</a:t>
             </a:fld>
             <a:endParaRPr lang="en-US" dirty="0"/>
           </a:p>
@@ -10381,7 +10381,7 @@
             <a:pPr lvl="1"/>
             <a:r>
               <a:rPr lang="en-GB" dirty="0"/>
-              <a:t>I have been offered a great opportunity to work in Manhattan, NY. Although, I am very excited about it, I am a bit stress toward the process to secure a comparable place to live in Manhattan. Therefore, I decided to apply the learned skills during the Coursera course to explore ways to make sure my decision is factual and rewarding. Of course, there are alternatives to achieve the answer using available Google and Social media tools, but it rewarding doing it myself with learned tools. </a:t>
+              <a:t>I have been offered a great opportunity to work in Ho Chi Minh City , Vietnam. Although, I am very excited about it, I am a bit stress toward the process to secure a comparable place to live in Manhattan. Therefore, I decided to apply the learned skills during the Coursera course to explore ways to make sure my decision is factual and rewarding. Of course, there are alternatives to achieve the answer using available Google and Social media tools, but it rewarding doing it myself with learned tools. </a:t>
             </a:r>
           </a:p>
           <a:p>
@@ -10394,7 +10394,7 @@
             <a:pPr lvl="1"/>
             <a:r>
               <a:rPr lang="en-GB" dirty="0"/>
-              <a:t>The challenge to resolve is being able to find an apartment unit in Manhattan NY that offers similar characteristics and benefits to my current situation. Therefore, in order to set a basis for comparison, I want to place subject to the following conditions:</a:t>
+              <a:t>The challenge to resolve is being able to find an apartment unit in Ho Chi Minh City that offers similar characteristics and benefits to my current situation. Therefore, in order to set a basis for comparison, I want to place subject to the following conditions:</a:t>
             </a:r>
           </a:p>
           <a:p>
@@ -10594,7 +10594,7 @@
             </a:r>
             <a:r>
               <a:rPr lang="en-GB" dirty="0"/>
-              <a:t>in Hanoi, Vietnam. I use Foursquare to identify the venues around the area of residence which are then shown in the Hanoi map shown in methodology and execution in section 3.0 . It serves as a reference for comparison with the desired future location in Manhattan NY </a:t>
+              <a:t>in Hanoi, Vietnam. I use Foursquare to identify the venues around the area of residence which are then shown in the Hanoi map shown in methodology and execution in section 3.0 . It serves as a reference for comparison with the desired future location in Ho Chi Minh City</a:t>
             </a:r>
           </a:p>
           <a:p>
@@ -10607,7 +10607,7 @@
             <a:pPr lvl="1"/>
             <a:r>
               <a:rPr lang="en-GB" dirty="0"/>
-              <a:t>In order to make a good choice of a similar apartment in Manhattan NY, the following data is required: </a:t>
+              <a:t>In order to make a good choice of a similar apartment in Ho Chi Minh City Vietnam, the following data is required: </a:t>
             </a:r>
           </a:p>
           <a:p>
@@ -10629,7 +10629,7 @@
             <a:pPr lvl="1"/>
             <a:r>
               <a:rPr lang="en-GB" dirty="0"/>
-              <a:t>Venues and amenities in the Manhattan </a:t>
+              <a:t>Venues and amenities in the Ho Chi Minh City </a:t>
             </a:r>
             <a:r>
               <a:rPr lang="en-GB" dirty="0" err="1"/>
@@ -10672,7 +10672,7 @@
             </a:r>
             <a:r>
               <a:rPr lang="en-GB" dirty="0"/>
-              <a:t> data to map top 10 venues for all Manhattan </a:t>
+              <a:t> data to map top 10 venues for all Ho Chi Minh City </a:t>
             </a:r>
             <a:r>
               <a:rPr lang="en-GB" dirty="0" err="1"/>
@@ -12896,6 +12896,15 @@
 </file>
 
 <file path=customXml/item2.xml><?xml version="1.0" encoding="utf-8"?>
+<?mso-contentType ?>
+<FormTemplates xmlns="http://schemas.microsoft.com/sharepoint/v3/contenttype/forms">
+  <Display>DocumentLibraryForm</Display>
+  <Edit>DocumentLibraryForm</Edit>
+  <New>DocumentLibraryForm</New>
+</FormTemplates>
+</file>
+
+<file path=customXml/item3.xml><?xml version="1.0" encoding="utf-8"?>
 <ct:contentTypeSchema xmlns:ct="http://schemas.microsoft.com/office/2006/metadata/contentType" xmlns:ma="http://schemas.microsoft.com/office/2006/metadata/properties/metaAttributes" ct:_="" ma:_="" ma:contentTypeName="Document" ma:contentTypeID="0x01010079F111ED35F8CC479449609E8A0923A6" ma:contentTypeVersion="12" ma:contentTypeDescription="Create a new document." ma:contentTypeScope="" ma:versionID="fa6e671f1cd7e4d96ff9652be322dd5e">
   <xsd:schema xmlns:xsd="http://www.w3.org/2001/XMLSchema" xmlns:xs="http://www.w3.org/2001/XMLSchema" xmlns:p="http://schemas.microsoft.com/office/2006/metadata/properties" xmlns:ns2="71af3243-3dd4-4a8d-8c0d-dd76da1f02a5" xmlns:ns3="16c05727-aa75-4e4a-9b5f-8a80a1165891" targetNamespace="http://schemas.microsoft.com/office/2006/metadata/properties" ma:root="true" ma:fieldsID="4e2496f70b101db0b8013f30a071bbf7" ns2:_="" ns3:_="">
     <xsd:import namespace="71af3243-3dd4-4a8d-8c0d-dd76da1f02a5"/>
@@ -13116,15 +13125,6 @@
 </ct:contentTypeSchema>
 </file>
 
-<file path=customXml/item3.xml><?xml version="1.0" encoding="utf-8"?>
-<?mso-contentType ?>
-<FormTemplates xmlns="http://schemas.microsoft.com/sharepoint/v3/contenttype/forms">
-  <Display>DocumentLibraryForm</Display>
-  <Edit>DocumentLibraryForm</Edit>
-  <New>DocumentLibraryForm</New>
-</FormTemplates>
-</file>
-
 <file path=customXml/itemProps1.xml><?xml version="1.0" encoding="utf-8"?>
 <ds:datastoreItem xmlns:ds="http://schemas.openxmlformats.org/officeDocument/2006/customXml" ds:itemID="{2F5E4A76-0180-4CD0-B081-82F74A336136}">
   <ds:schemaRefs>
@@ -13143,6 +13143,14 @@
 </file>
 
 <file path=customXml/itemProps2.xml><?xml version="1.0" encoding="utf-8"?>
+<ds:datastoreItem xmlns:ds="http://schemas.openxmlformats.org/officeDocument/2006/customXml" ds:itemID="{41243E30-12F4-4BE3-B27D-23AB115E9D1F}">
+  <ds:schemaRefs>
+    <ds:schemaRef ds:uri="http://schemas.microsoft.com/sharepoint/v3/contenttype/forms"/>
+  </ds:schemaRefs>
+</ds:datastoreItem>
+</file>
+
+<file path=customXml/itemProps3.xml><?xml version="1.0" encoding="utf-8"?>
 <ds:datastoreItem xmlns:ds="http://schemas.openxmlformats.org/officeDocument/2006/customXml" ds:itemID="{DB96A612-58F4-4E9A-9665-3987CC3AC44A}">
   <ds:schemaRefs>
     <ds:schemaRef ds:uri="http://schemas.microsoft.com/office/2006/metadata/contentType"/>
@@ -13159,12 +13167,4 @@
     <ds:schemaRef ds:uri="http://schemas.microsoft.com/internal/obd"/>
   </ds:schemaRefs>
 </ds:datastoreItem>
-</file>
-
-<file path=customXml/itemProps3.xml><?xml version="1.0" encoding="utf-8"?>
-<ds:datastoreItem xmlns:ds="http://schemas.openxmlformats.org/officeDocument/2006/customXml" ds:itemID="{41243E30-12F4-4BE3-B27D-23AB115E9D1F}">
-  <ds:schemaRefs>
-    <ds:schemaRef ds:uri="http://schemas.microsoft.com/sharepoint/v3/contenttype/forms"/>
-  </ds:schemaRefs>
-</ds:datastoreItem>
 </file>